--- a/노트/9_etc/1_제품소프트웨어패키징.pptx
+++ b/노트/9_etc/1_제품소프트웨어패키징.pptx
@@ -122,7 +122,7 @@
   </p:defaultTextStyle>
   <p:extLst>
     <p:ext uri="{EFAFB233-063F-42B5-8137-9DF3F51BA10A}">
-      <p15:sldGuideLst xmlns:p15="http://schemas.microsoft.com/office/powerpoint/2012/main">
+      <p15:sldGuideLst xmlns:p15="http://schemas.microsoft.com/office/powerpoint/2012/main" xmlns="">
         <p15:guide id="1" orient="horz" pos="2160" userDrawn="1">
           <p15:clr>
             <a:srgbClr val="A4A3A4"/>
@@ -221,7 +221,7 @@
           <a:p>
             <a:fld id="{A8E46B79-608B-4C82-8775-36A98907B54F}" type="datetimeFigureOut">
               <a:rPr lang="ko-KR" altLang="en-US" smtClean="0"/>
-              <a:t>2020-03-08</a:t>
+              <a:t>2020-03-09</a:t>
             </a:fld>
             <a:endParaRPr lang="ko-KR" altLang="en-US"/>
           </a:p>
@@ -961,7 +961,7 @@
           <a:p>
             <a:fld id="{57EF9979-45DC-4CC9-A6E8-B7776719D2FA}" type="datetimeFigureOut">
               <a:rPr lang="ko-KR" altLang="en-US" smtClean="0"/>
-              <a:t>2020-03-08</a:t>
+              <a:t>2020-03-09</a:t>
             </a:fld>
             <a:endParaRPr lang="ko-KR" altLang="en-US"/>
           </a:p>
@@ -1129,7 +1129,7 @@
           <a:p>
             <a:fld id="{57EF9979-45DC-4CC9-A6E8-B7776719D2FA}" type="datetimeFigureOut">
               <a:rPr lang="ko-KR" altLang="en-US" smtClean="0"/>
-              <a:t>2020-03-08</a:t>
+              <a:t>2020-03-09</a:t>
             </a:fld>
             <a:endParaRPr lang="ko-KR" altLang="en-US"/>
           </a:p>
@@ -1307,7 +1307,7 @@
           <a:p>
             <a:fld id="{57EF9979-45DC-4CC9-A6E8-B7776719D2FA}" type="datetimeFigureOut">
               <a:rPr lang="ko-KR" altLang="en-US" smtClean="0"/>
-              <a:t>2020-03-08</a:t>
+              <a:t>2020-03-09</a:t>
             </a:fld>
             <a:endParaRPr lang="ko-KR" altLang="en-US"/>
           </a:p>
@@ -1486,7 +1486,7 @@
           <a:p>
             <a:fld id="{57EF9979-45DC-4CC9-A6E8-B7776719D2FA}" type="datetimeFigureOut">
               <a:rPr lang="ko-KR" altLang="en-US" smtClean="0"/>
-              <a:t>2020-03-08</a:t>
+              <a:t>2020-03-09</a:t>
             </a:fld>
             <a:endParaRPr lang="ko-KR" altLang="en-US"/>
           </a:p>
@@ -1731,7 +1731,7 @@
           <a:p>
             <a:fld id="{57EF9979-45DC-4CC9-A6E8-B7776719D2FA}" type="datetimeFigureOut">
               <a:rPr lang="ko-KR" altLang="en-US" smtClean="0"/>
-              <a:t>2020-03-08</a:t>
+              <a:t>2020-03-09</a:t>
             </a:fld>
             <a:endParaRPr lang="ko-KR" altLang="en-US"/>
           </a:p>
@@ -2016,7 +2016,7 @@
           <a:p>
             <a:fld id="{57EF9979-45DC-4CC9-A6E8-B7776719D2FA}" type="datetimeFigureOut">
               <a:rPr lang="ko-KR" altLang="en-US" smtClean="0"/>
-              <a:t>2020-03-08</a:t>
+              <a:t>2020-03-09</a:t>
             </a:fld>
             <a:endParaRPr lang="ko-KR" altLang="en-US"/>
           </a:p>
@@ -2435,7 +2435,7 @@
           <a:p>
             <a:fld id="{57EF9979-45DC-4CC9-A6E8-B7776719D2FA}" type="datetimeFigureOut">
               <a:rPr lang="ko-KR" altLang="en-US" smtClean="0"/>
-              <a:t>2020-03-08</a:t>
+              <a:t>2020-03-09</a:t>
             </a:fld>
             <a:endParaRPr lang="ko-KR" altLang="en-US"/>
           </a:p>
@@ -2552,7 +2552,7 @@
           <a:p>
             <a:fld id="{57EF9979-45DC-4CC9-A6E8-B7776719D2FA}" type="datetimeFigureOut">
               <a:rPr lang="ko-KR" altLang="en-US" smtClean="0"/>
-              <a:t>2020-03-08</a:t>
+              <a:t>2020-03-09</a:t>
             </a:fld>
             <a:endParaRPr lang="ko-KR" altLang="en-US"/>
           </a:p>
@@ -2647,7 +2647,7 @@
           <a:p>
             <a:fld id="{57EF9979-45DC-4CC9-A6E8-B7776719D2FA}" type="datetimeFigureOut">
               <a:rPr lang="ko-KR" altLang="en-US" smtClean="0"/>
-              <a:t>2020-03-08</a:t>
+              <a:t>2020-03-09</a:t>
             </a:fld>
             <a:endParaRPr lang="ko-KR" altLang="en-US"/>
           </a:p>
@@ -2922,7 +2922,7 @@
           <a:p>
             <a:fld id="{57EF9979-45DC-4CC9-A6E8-B7776719D2FA}" type="datetimeFigureOut">
               <a:rPr lang="ko-KR" altLang="en-US" smtClean="0"/>
-              <a:t>2020-03-08</a:t>
+              <a:t>2020-03-09</a:t>
             </a:fld>
             <a:endParaRPr lang="ko-KR" altLang="en-US"/>
           </a:p>
@@ -3174,7 +3174,7 @@
           <a:p>
             <a:fld id="{57EF9979-45DC-4CC9-A6E8-B7776719D2FA}" type="datetimeFigureOut">
               <a:rPr lang="ko-KR" altLang="en-US" smtClean="0"/>
-              <a:t>2020-03-08</a:t>
+              <a:t>2020-03-09</a:t>
             </a:fld>
             <a:endParaRPr lang="ko-KR" altLang="en-US"/>
           </a:p>
@@ -3385,7 +3385,7 @@
           <a:p>
             <a:fld id="{57EF9979-45DC-4CC9-A6E8-B7776719D2FA}" type="datetimeFigureOut">
               <a:rPr lang="ko-KR" altLang="en-US" smtClean="0"/>
-              <a:t>2020-03-08</a:t>
+              <a:t>2020-03-09</a:t>
             </a:fld>
             <a:endParaRPr lang="ko-KR" altLang="en-US"/>
           </a:p>
@@ -4193,7 +4193,6 @@
               <a:rPr lang="ko-KR" altLang="en-US" sz="2800" dirty="0"/>
               <a:t>소프트웨어 매뉴얼의 배포용 미디어 제작</a:t>
             </a:r>
-            <a:endParaRPr lang="ko-KR" altLang="en-US" sz="2800" dirty="0"/>
           </a:p>
         </p:txBody>
       </p:sp>
@@ -4432,13 +4431,6 @@
               </a:rPr>
               <a:t>오프라인 미디어</a:t>
             </a:r>
-            <a:endParaRPr lang="ko-KR" altLang="en-US" sz="2400" b="1" spc="-150" dirty="0">
-              <a:solidFill>
-                <a:prstClr val="black"/>
-              </a:solidFill>
-              <a:latin typeface="맑은 고딕"/>
-              <a:ea typeface="맑은 고딕"/>
-            </a:endParaRPr>
           </a:p>
         </p:txBody>
       </p:sp>
@@ -4470,7 +4462,7 @@
                 <a:gridCol w="5456926">
                   <a:extLst>
                     <a:ext uri="{9D8B030D-6E8A-4147-A177-3AD203B41FA5}">
-                      <a16:colId xmlns:a16="http://schemas.microsoft.com/office/drawing/2014/main" val="20000"/>
+                      <a16:colId xmlns:a16="http://schemas.microsoft.com/office/drawing/2014/main" xmlns="" val="20000"/>
                     </a:ext>
                   </a:extLst>
                 </a:gridCol>
@@ -4523,7 +4515,7 @@
                 </a:tc>
                 <a:extLst>
                   <a:ext uri="{0D108BD9-81ED-4DB2-BD59-A6C34878D82A}">
-                    <a16:rowId xmlns:a16="http://schemas.microsoft.com/office/drawing/2014/main" val="10000"/>
+                    <a16:rowId xmlns:a16="http://schemas.microsoft.com/office/drawing/2014/main" xmlns="" val="10000"/>
                   </a:ext>
                 </a:extLst>
               </a:tr>
@@ -4575,7 +4567,7 @@
                 </a:tc>
                 <a:extLst>
                   <a:ext uri="{0D108BD9-81ED-4DB2-BD59-A6C34878D82A}">
-                    <a16:rowId xmlns:a16="http://schemas.microsoft.com/office/drawing/2014/main" val="10001"/>
+                    <a16:rowId xmlns:a16="http://schemas.microsoft.com/office/drawing/2014/main" xmlns="" val="10001"/>
                   </a:ext>
                 </a:extLst>
               </a:tr>
@@ -4626,7 +4618,7 @@
                 </a:tc>
                 <a:extLst>
                   <a:ext uri="{0D108BD9-81ED-4DB2-BD59-A6C34878D82A}">
-                    <a16:rowId xmlns:a16="http://schemas.microsoft.com/office/drawing/2014/main" val="10002"/>
+                    <a16:rowId xmlns:a16="http://schemas.microsoft.com/office/drawing/2014/main" xmlns="" val="10002"/>
                   </a:ext>
                 </a:extLst>
               </a:tr>
@@ -6358,13 +6350,7 @@
                 <a:rPr kumimoji="1" lang="ko-KR" altLang="en-US" sz="1200" b="1" dirty="0">
                   <a:latin typeface="Arial Black" pitchFamily="34" charset="0"/>
                 </a:rPr>
-                <a:t>제</a:t>
-              </a:r>
-              <a:r>
-                <a:rPr kumimoji="1" lang="ko-KR" altLang="en-US" sz="1200" b="1" dirty="0">
-                  <a:latin typeface="Arial Black" pitchFamily="34" charset="0"/>
-                </a:rPr>
-                <a:t>한</a:t>
+                <a:t>제한</a:t>
               </a:r>
               <a:endParaRPr kumimoji="1" lang="en-US" altLang="ko-KR" sz="1200" b="1" dirty="0">
                 <a:latin typeface="Arial Black" pitchFamily="34" charset="0"/>
@@ -6806,16 +6792,7 @@
                   </a:solidFill>
                   <a:latin typeface="Arial Black" pitchFamily="34" charset="0"/>
                 </a:rPr>
-                <a:t>용</a:t>
-              </a:r>
-              <a:r>
-                <a:rPr kumimoji="1" lang="ko-KR" altLang="en-US" sz="1200" b="1" u="sng" dirty="0">
-                  <a:solidFill>
-                    <a:srgbClr val="FF0000"/>
-                  </a:solidFill>
-                  <a:latin typeface="Arial Black" pitchFamily="34" charset="0"/>
-                </a:rPr>
-                <a:t>이</a:t>
+                <a:t>용이</a:t>
               </a:r>
               <a:endParaRPr kumimoji="1" lang="en-US" altLang="ko-KR" sz="1200" b="1" u="sng" dirty="0">
                 <a:solidFill>
@@ -7229,9 +7206,6 @@
                 </a:rPr>
                 <a:t>|</a:t>
               </a:r>
-              <a:endParaRPr kumimoji="1" lang="en-US" altLang="ko-KR" sz="1200" b="1" dirty="0">
-                <a:latin typeface="Arial" charset="0"/>
-              </a:endParaRPr>
             </a:p>
           </p:txBody>
         </p:sp>
@@ -7975,11 +7949,7 @@
               </a:r>
               <a:r>
                 <a:rPr lang="ko-KR" altLang="en-US" sz="2000" dirty="0"/>
-                <a:t>서로 다른 개발자가 한 프로젝트에 동시 </a:t>
-              </a:r>
-              <a:r>
-                <a:rPr lang="ko-KR" altLang="en-US" sz="2000" dirty="0"/>
-                <a:t>접근가능하나</a:t>
+                <a:t>서로 다른 개발자가 한 프로젝트에 동시 접근가능하나</a:t>
               </a:r>
               <a:r>
                 <a:rPr lang="en-US" altLang="ko-KR" sz="2000" dirty="0"/>
@@ -8468,16 +8438,7 @@
                 </a:solidFill>
                 <a:latin typeface="+mn-lt"/>
               </a:rPr>
-              <a:t>백업은 </a:t>
-            </a:r>
-            <a:r>
-              <a:rPr lang="ko-KR" altLang="en-US" sz="2000" dirty="0">
-                <a:solidFill>
-                  <a:srgbClr val="0000FF"/>
-                </a:solidFill>
-                <a:latin typeface="+mn-lt"/>
-              </a:rPr>
-              <a:t>백업정책에 의해 정기적으로 실시하며 시스템이 저장된 </a:t>
+              <a:t>백업은 백업정책에 의해 정기적으로 실시하며 시스템이 저장된 </a:t>
             </a:r>
             <a:r>
               <a:rPr lang="en-US" altLang="ko-KR" sz="2000" dirty="0">
@@ -8546,16 +8507,7 @@
                 </a:solidFill>
                 <a:latin typeface="+mn-lt"/>
               </a:rPr>
-              <a:t>천재지변이나 </a:t>
-            </a:r>
-            <a:r>
-              <a:rPr lang="ko-KR" altLang="en-US" sz="2000" dirty="0">
-                <a:solidFill>
-                  <a:srgbClr val="0000FF"/>
-                </a:solidFill>
-                <a:latin typeface="+mn-lt"/>
-              </a:rPr>
-              <a:t>해킹 등 각종 재해에 대비해 시스템을 복구 가능한 상태로 만들기 위해 준비할 때 유용하다</a:t>
+              <a:t>천재지변이나 해킹 등 각종 재해에 대비해 시스템을 복구 가능한 상태로 만들기 위해 준비할 때 유용하다</a:t>
             </a:r>
             <a:r>
               <a:rPr lang="en-US" altLang="ko-KR" sz="2000" dirty="0">
@@ -8741,23 +8693,8 @@
                 </a:solidFill>
                 <a:latin typeface="+mn-lt"/>
               </a:rPr>
-              <a:t>백</a:t>
-            </a:r>
-            <a:r>
-              <a:rPr lang="ko-KR" altLang="en-US" sz="2000" dirty="0">
-                <a:solidFill>
-                  <a:srgbClr val="0000FF"/>
-                </a:solidFill>
-                <a:latin typeface="+mn-lt"/>
-              </a:rPr>
-              <a:t>업</a:t>
-            </a:r>
-            <a:endParaRPr lang="ko-KR" altLang="en-US" sz="2000" dirty="0">
-              <a:solidFill>
-                <a:srgbClr val="0000FF"/>
-              </a:solidFill>
-              <a:latin typeface="+mn-lt"/>
-            </a:endParaRPr>
+              <a:t>백업</a:t>
+            </a:r>
           </a:p>
         </p:txBody>
       </p:sp>
@@ -9148,7 +9085,6 @@
               <a:rPr lang="ko-KR" altLang="en-US" sz="1600" b="1" dirty="0"/>
               <a:t>제품 소프트웨어 매뉴얼 작성하기</a:t>
             </a:r>
-            <a:endParaRPr lang="ko-KR" altLang="en-US" sz="1600" b="1" dirty="0"/>
           </a:p>
         </p:txBody>
       </p:sp>
@@ -9222,7 +9158,6 @@
               <a:rPr lang="ko-KR" altLang="en-US" sz="1600" b="1" dirty="0"/>
               <a:t>제품 소프트웨어 버전 관리하기</a:t>
             </a:r>
-            <a:endParaRPr lang="ko-KR" altLang="en-US" sz="1600" b="1" dirty="0"/>
           </a:p>
         </p:txBody>
       </p:sp>
@@ -10104,15 +10039,7 @@
                   <a:schemeClr val="tx1"/>
                 </a:solidFill>
               </a:rPr>
-              <a:t>1</a:t>
-            </a:r>
-            <a:r>
-              <a:rPr kumimoji="1" lang="en-US" altLang="ko-KR" sz="2000" b="1" spc="-150" dirty="0">
-                <a:solidFill>
-                  <a:schemeClr val="tx1"/>
-                </a:solidFill>
-              </a:rPr>
-              <a:t>. </a:t>
+              <a:t>1. </a:t>
             </a:r>
             <a:r>
               <a:rPr kumimoji="1" lang="ko-KR" altLang="en-US" sz="2000" b="1" spc="-150" dirty="0">
@@ -10379,31 +10306,15 @@
                   <a:schemeClr val="tx1"/>
                 </a:solidFill>
               </a:rPr>
-              <a:t>    </a:t>
-            </a:r>
-            <a:r>
-              <a:rPr kumimoji="1" lang="en-US" altLang="ko-KR" sz="1400" b="1" spc="-150" dirty="0">
+              <a:t>    : </a:t>
+            </a:r>
+            <a:r>
+              <a:rPr kumimoji="1" lang="ko-KR" altLang="en-US" sz="1400" b="1" spc="-150" dirty="0">
                 <a:solidFill>
                   <a:schemeClr val="tx1"/>
                 </a:solidFill>
               </a:rPr>
-              <a:t>: </a:t>
-            </a:r>
-            <a:r>
-              <a:rPr kumimoji="1" lang="ko-KR" altLang="en-US" sz="1400" b="1" spc="-150" dirty="0">
-                <a:solidFill>
-                  <a:schemeClr val="tx1"/>
-                </a:solidFill>
-              </a:rPr>
-              <a:t> </a:t>
-            </a:r>
-            <a:r>
-              <a:rPr kumimoji="1" lang="ko-KR" altLang="en-US" sz="1400" b="1" spc="-150" dirty="0">
-                <a:solidFill>
-                  <a:schemeClr val="tx1"/>
-                </a:solidFill>
-              </a:rPr>
-              <a:t>컴파일</a:t>
+              <a:t> 컴파일</a:t>
             </a:r>
             <a:endParaRPr kumimoji="1" lang="en-US" altLang="ko-KR" sz="1400" b="1" spc="-150" dirty="0">
               <a:solidFill>
@@ -10470,7 +10381,6 @@
               <a:rPr lang="ko-KR" altLang="en-US" sz="1400" b="1" dirty="0"/>
               <a:t>기능단위 및 서비스 분류</a:t>
             </a:r>
-            <a:endParaRPr lang="ko-KR" altLang="en-US" sz="1400" b="1" dirty="0"/>
           </a:p>
         </p:txBody>
       </p:sp>
@@ -10524,11 +10434,7 @@
           <a:p>
             <a:r>
               <a:rPr lang="en-US" altLang="ko-KR" sz="1400" b="1" spc="-150" dirty="0"/>
-              <a:t>      </a:t>
-            </a:r>
-            <a:r>
-              <a:rPr lang="en-US" altLang="ko-KR" sz="1400" b="1" spc="-150" dirty="0"/>
-              <a:t>: </a:t>
+              <a:t>      : </a:t>
             </a:r>
             <a:r>
               <a:rPr lang="ko-KR" altLang="en-US" sz="1400" b="1" spc="-150" dirty="0"/>
@@ -10550,7 +10456,6 @@
               <a:rPr lang="ko-KR" altLang="en-US" sz="1400" b="1" spc="-150" dirty="0"/>
               <a:t>편의성 체크</a:t>
             </a:r>
-            <a:endParaRPr lang="ko-KR" altLang="en-US" sz="1400" b="1" spc="-150" dirty="0"/>
           </a:p>
         </p:txBody>
       </p:sp>
@@ -10740,15 +10645,7 @@
                   <a:schemeClr val="tx1"/>
                 </a:solidFill>
               </a:rPr>
-              <a:t>      </a:t>
-            </a:r>
-            <a:r>
-              <a:rPr kumimoji="1" lang="en-US" altLang="ko-KR" sz="1400" b="1" spc="-150" dirty="0">
-                <a:solidFill>
-                  <a:schemeClr val="tx1"/>
-                </a:solidFill>
-              </a:rPr>
-              <a:t>:  </a:t>
+              <a:t>      :  </a:t>
             </a:r>
             <a:r>
               <a:rPr kumimoji="1" lang="ko-KR" altLang="en-US" sz="1400" b="1" spc="-150" dirty="0">
@@ -10779,31 +10676,15 @@
                   <a:schemeClr val="tx1"/>
                 </a:solidFill>
               </a:rPr>
-              <a:t> </a:t>
-            </a:r>
-            <a:r>
-              <a:rPr kumimoji="1" lang="en-US" altLang="ko-KR" sz="1400" b="1" spc="-150" dirty="0">
+              <a:t>         </a:t>
+            </a:r>
+            <a:r>
+              <a:rPr kumimoji="1" lang="ko-KR" altLang="en-US" sz="1400" b="1" spc="-150" dirty="0">
                 <a:solidFill>
                   <a:schemeClr val="tx1"/>
                 </a:solidFill>
               </a:rPr>
-              <a:t>        </a:t>
-            </a:r>
-            <a:r>
-              <a:rPr kumimoji="1" lang="ko-KR" altLang="en-US" sz="1400" b="1" spc="-150" dirty="0">
-                <a:solidFill>
-                  <a:schemeClr val="tx1"/>
-                </a:solidFill>
-              </a:rPr>
-              <a:t>모듈단위의 기능별 사용자 환경을 테스트한</a:t>
-            </a:r>
-            <a:r>
-              <a:rPr kumimoji="1" lang="ko-KR" altLang="en-US" sz="1400" b="1" spc="-150" dirty="0">
-                <a:solidFill>
-                  <a:schemeClr val="tx1"/>
-                </a:solidFill>
-              </a:rPr>
-              <a:t>다</a:t>
+              <a:t>모듈단위의 기능별 사용자 환경을 테스트한다</a:t>
             </a:r>
             <a:endParaRPr kumimoji="1" lang="en-US" altLang="ko-KR" sz="1400" b="1" spc="-150" dirty="0">
               <a:solidFill>
@@ -11048,15 +10929,7 @@
                   <a:schemeClr val="tx1"/>
                 </a:solidFill>
               </a:rPr>
-              <a:t>      </a:t>
-            </a:r>
-            <a:r>
-              <a:rPr kumimoji="1" lang="en-US" altLang="ko-KR" sz="1400" b="1" spc="-150" dirty="0">
-                <a:solidFill>
-                  <a:schemeClr val="tx1"/>
-                </a:solidFill>
-              </a:rPr>
-              <a:t>:  </a:t>
+              <a:t>      :  </a:t>
             </a:r>
             <a:r>
               <a:rPr kumimoji="1" lang="ko-KR" altLang="en-US" sz="1400" b="1" spc="-150" dirty="0">
@@ -11090,7 +10963,7 @@
         </p:nvSpPr>
         <p:spPr>
           <a:xfrm>
-            <a:off x="7933213" y="257197"/>
+            <a:off x="4022569" y="4111270"/>
             <a:ext cx="543739" cy="523220"/>
           </a:xfrm>
           <a:prstGeom prst="rect">
@@ -12932,7 +12805,6 @@
               <a:rPr lang="ko-KR" altLang="en-US" dirty="0"/>
               <a:t>배포 수행</a:t>
             </a:r>
-            <a:endParaRPr lang="ko-KR" altLang="en-US" dirty="0"/>
           </a:p>
         </p:txBody>
       </p:sp>
@@ -13092,9 +12964,6 @@
               </a:rPr>
               <a:t>.</a:t>
             </a:r>
-            <a:endParaRPr lang="en-US" altLang="ko-KR" b="1" spc="-150" dirty="0">
-              <a:latin typeface="+mn-ea"/>
-            </a:endParaRPr>
           </a:p>
           <a:p>
             <a:pPr marL="342900" indent="-342900">
@@ -13955,9 +13824,6 @@
               </a:rPr>
               <a:t>제품 소프트웨어 설치 매뉴얼 작성</a:t>
             </a:r>
-            <a:endParaRPr kumimoji="1" lang="ko-KR" altLang="en-US" sz="3600" b="1" spc="-150" dirty="0">
-              <a:latin typeface="+mn-ea"/>
-            </a:endParaRPr>
           </a:p>
         </p:txBody>
       </p:sp>
@@ -14048,7 +13914,6 @@
                 <a:rPr lang="ko-KR" altLang="en-US" b="1" dirty="0"/>
                 <a:t> 매뉴얼 내용</a:t>
               </a:r>
-              <a:endParaRPr lang="ko-KR" altLang="en-US" b="1" dirty="0"/>
             </a:p>
           </p:txBody>
         </p:sp>
@@ -14178,11 +14043,6 @@
                 </a:rPr>
                 <a:t>UI</a:t>
               </a:r>
-              <a:endParaRPr lang="en-US" altLang="ko-KR" sz="1600" b="1" dirty="0">
-                <a:solidFill>
-                  <a:schemeClr val="tx1"/>
-                </a:solidFill>
-              </a:endParaRPr>
             </a:p>
             <a:p>
               <a:pPr marL="285750" indent="-285750">
@@ -14314,11 +14174,6 @@
                 </a:rPr>
                 <a:t>환경 및 보안</a:t>
               </a:r>
-              <a:endParaRPr lang="ko-KR" altLang="en-US" sz="1600" b="1" dirty="0">
-                <a:solidFill>
-                  <a:schemeClr val="tx1"/>
-                </a:solidFill>
-              </a:endParaRPr>
             </a:p>
           </p:txBody>
         </p:sp>
@@ -14528,11 +14383,6 @@
                 </a:rPr>
                 <a:t>E-mail, Website URL</a:t>
               </a:r>
-              <a:endParaRPr lang="en-US" altLang="ko-KR" sz="1600" b="1" dirty="0">
-                <a:solidFill>
-                  <a:schemeClr val="tx1"/>
-                </a:solidFill>
-              </a:endParaRPr>
             </a:p>
           </p:txBody>
         </p:sp>
@@ -14612,7 +14462,6 @@
                 <a:rPr lang="ko-KR" altLang="en-US" b="1" dirty="0"/>
                 <a:t>준수 정보 및 제한 보증</a:t>
               </a:r>
-              <a:endParaRPr lang="ko-KR" altLang="en-US" b="1" dirty="0"/>
             </a:p>
           </p:txBody>
         </p:sp>
@@ -15127,9 +14976,6 @@
               </a:rPr>
               <a:t>제품 소프트웨어 사용자 매뉴얼 작성</a:t>
             </a:r>
-            <a:endParaRPr kumimoji="1" lang="ko-KR" altLang="en-US" sz="3600" b="1" spc="-150" dirty="0">
-              <a:latin typeface="+mn-ea"/>
-            </a:endParaRPr>
           </a:p>
         </p:txBody>
       </p:sp>
@@ -15250,11 +15096,6 @@
                 </a:rPr>
                 <a:t>제품 소프트웨어의 주요 특징 정리</a:t>
               </a:r>
-              <a:endParaRPr lang="ko-KR" altLang="en-US" sz="1400" b="1" dirty="0">
-                <a:solidFill>
-                  <a:schemeClr val="tx1"/>
-                </a:solidFill>
-              </a:endParaRPr>
             </a:p>
           </p:txBody>
         </p:sp>
